--- a/emotionrecognition.pptx
+++ b/emotionrecognition.pptx
@@ -282,7 +282,7 @@
           <a:p>
             <a:fld id="{1D8BD707-D9CF-40AE-B4C6-C98DA3205C09}" type="datetimeFigureOut">
               <a:rPr lang="en-US"/>
-              <a:t>5/30/2019</a:t>
+              <a:t>9/18/2021</a:t>
             </a:fld>
             <a:endParaRPr lang="en-US"/>
           </a:p>
@@ -457,7 +457,7 @@
           <a:p>
             <a:fld id="{1D8BD707-D9CF-40AE-B4C6-C98DA3205C09}" type="datetimeFigureOut">
               <a:rPr lang="en-US"/>
-              <a:t>5/30/2019</a:t>
+              <a:t>9/18/2021</a:t>
             </a:fld>
             <a:endParaRPr lang="en-US"/>
           </a:p>
@@ -671,7 +671,7 @@
           <a:p>
             <a:fld id="{1D8BD707-D9CF-40AE-B4C6-C98DA3205C09}" type="datetimeFigureOut">
               <a:rPr lang="en-US"/>
-              <a:t>5/30/2019</a:t>
+              <a:t>9/18/2021</a:t>
             </a:fld>
             <a:endParaRPr lang="en-US"/>
           </a:p>
@@ -856,7 +856,7 @@
           <a:p>
             <a:fld id="{1D8BD707-D9CF-40AE-B4C6-C98DA3205C09}" type="datetimeFigureOut">
               <a:rPr lang="en-US"/>
-              <a:t>5/30/2019</a:t>
+              <a:t>9/18/2021</a:t>
             </a:fld>
             <a:endParaRPr lang="en-US"/>
           </a:p>
@@ -1236,7 +1236,7 @@
           <a:p>
             <a:fld id="{1D8BD707-D9CF-40AE-B4C6-C98DA3205C09}" type="datetimeFigureOut">
               <a:rPr lang="en-US"/>
-              <a:t>5/30/2019</a:t>
+              <a:t>9/18/2021</a:t>
             </a:fld>
             <a:endParaRPr lang="en-US"/>
           </a:p>
@@ -1488,7 +1488,7 @@
           <a:p>
             <a:fld id="{1D8BD707-D9CF-40AE-B4C6-C98DA3205C09}" type="datetimeFigureOut">
               <a:rPr lang="en-US"/>
-              <a:t>5/30/2019</a:t>
+              <a:t>9/18/2021</a:t>
             </a:fld>
             <a:endParaRPr lang="en-US"/>
           </a:p>
@@ -12011,8 +12011,8 @@
         </p:nvSpPr>
         <p:spPr>
           <a:xfrm>
-            <a:off x="6953256" y="3643314"/>
-            <a:ext cx="5000660" cy="2954655"/>
+            <a:off x="6908285" y="5029200"/>
+            <a:ext cx="5000660" cy="369332"/>
           </a:xfrm>
         </p:spPr>
         <p:txBody>
@@ -12020,132 +12020,20 @@
           <a:lstStyle/>
           <a:p>
             <a:r>
-              <a:rPr lang="en-IN" sz="2400" dirty="0">
+              <a:rPr lang="en-IN" sz="2400" dirty="0" smtClean="0">
                 <a:solidFill>
                   <a:schemeClr val="bg1"/>
                 </a:solidFill>
               </a:rPr>
-              <a:t>1.Kuldeep Singh (Group Co-ordinator)</a:t>
-            </a:r>
-          </a:p>
-          <a:p>
-            <a:r>
-              <a:rPr lang="en-IN" sz="2400" dirty="0">
+              <a:t>Priyanshu </a:t>
+            </a:r>
+            <a:r>
+              <a:rPr lang="en-IN" sz="2400" dirty="0" smtClean="0">
                 <a:solidFill>
                   <a:schemeClr val="bg1"/>
                 </a:solidFill>
               </a:rPr>
-              <a:t>2.Priyansu </a:t>
-            </a:r>
-            <a:r>
-              <a:rPr lang="en-IN" sz="2400" dirty="0" err="1">
-                <a:solidFill>
-                  <a:schemeClr val="bg1"/>
-                </a:solidFill>
-              </a:rPr>
-              <a:t>Sinha</a:t>
-            </a:r>
-            <a:endParaRPr lang="en-IN" sz="2400" dirty="0">
-              <a:solidFill>
-                <a:schemeClr val="bg1"/>
-              </a:solidFill>
-            </a:endParaRPr>
-          </a:p>
-          <a:p>
-            <a:r>
-              <a:rPr lang="en-IN" sz="2400" dirty="0">
-                <a:solidFill>
-                  <a:schemeClr val="bg1"/>
-                </a:solidFill>
-              </a:rPr>
-              <a:t>3.Naman Gupta</a:t>
-            </a:r>
-          </a:p>
-          <a:p>
-            <a:r>
-              <a:rPr lang="en-IN" sz="2400" dirty="0">
-                <a:solidFill>
-                  <a:schemeClr val="bg1"/>
-                </a:solidFill>
-              </a:rPr>
-              <a:t>4.Ajay </a:t>
-            </a:r>
-            <a:r>
-              <a:rPr lang="en-IN" sz="2400" dirty="0" err="1">
-                <a:solidFill>
-                  <a:schemeClr val="bg1"/>
-                </a:solidFill>
-              </a:rPr>
-              <a:t>Rawat</a:t>
-            </a:r>
-            <a:endParaRPr lang="en-IN" sz="2400" dirty="0">
-              <a:solidFill>
-                <a:schemeClr val="bg1"/>
-              </a:solidFill>
-            </a:endParaRPr>
-          </a:p>
-          <a:p>
-            <a:r>
-              <a:rPr lang="en-IN" sz="2400" dirty="0">
-                <a:solidFill>
-                  <a:schemeClr val="bg1"/>
-                </a:solidFill>
-              </a:rPr>
-              <a:t>5.Moras </a:t>
-            </a:r>
-            <a:r>
-              <a:rPr lang="en-IN" sz="2400" dirty="0" err="1">
-                <a:solidFill>
-                  <a:schemeClr val="bg1"/>
-                </a:solidFill>
-              </a:rPr>
-              <a:t>Kashyap</a:t>
-            </a:r>
-            <a:endParaRPr lang="en-IN" sz="2400" dirty="0">
-              <a:solidFill>
-                <a:schemeClr val="bg1"/>
-              </a:solidFill>
-            </a:endParaRPr>
-          </a:p>
-          <a:p>
-            <a:r>
-              <a:rPr lang="en-IN" sz="2400" dirty="0">
-                <a:solidFill>
-                  <a:schemeClr val="bg1"/>
-                </a:solidFill>
-              </a:rPr>
-              <a:t>6.Avinash </a:t>
-            </a:r>
-            <a:r>
-              <a:rPr lang="en-IN" sz="2400" dirty="0" err="1">
-                <a:solidFill>
-                  <a:schemeClr val="bg1"/>
-                </a:solidFill>
-              </a:rPr>
-              <a:t>Bharambhe</a:t>
-            </a:r>
-            <a:endParaRPr lang="en-IN" sz="2400" dirty="0">
-              <a:solidFill>
-                <a:schemeClr val="bg1"/>
-              </a:solidFill>
-            </a:endParaRPr>
-          </a:p>
-          <a:p>
-            <a:r>
-              <a:rPr lang="en-IN" sz="2400" dirty="0">
-                <a:solidFill>
-                  <a:schemeClr val="bg1"/>
-                </a:solidFill>
-              </a:rPr>
-              <a:t>7.Shahbaz </a:t>
-            </a:r>
-            <a:r>
-              <a:rPr lang="en-IN" sz="2400" dirty="0" err="1">
-                <a:solidFill>
-                  <a:schemeClr val="bg1"/>
-                </a:solidFill>
-              </a:rPr>
-              <a:t>Beig</a:t>
+              <a:t>Shekhar Sinha</a:t>
             </a:r>
             <a:endParaRPr lang="en-IN" sz="2400" dirty="0">
               <a:solidFill>
